--- a/lecture-slides/2019-10-28-oop.pptx
+++ b/lecture-slides/2019-10-28-oop.pptx
@@ -6660,7 +6660,7 @@
           <a:graphicData uri="http://schemas.openxmlformats.org/presentationml/2006/ole">
             <mc:AlternateContent xmlns:mc="http://schemas.openxmlformats.org/markup-compatibility/2006">
               <mc:Choice xmlns:v="urn:schemas-microsoft-com:vml" Requires="v">
-                <p:oleObj spid="_x0000_s3075" name="Worksheet" r:id="rId3" imgW="7289800" imgH="7023100" progId="Excel.Sheet.12">
+                <p:oleObj spid="_x0000_s3076" name="Worksheet" r:id="rId3" imgW="7289800" imgH="7023100" progId="Excel.Sheet.12">
                   <p:embed/>
                 </p:oleObj>
               </mc:Choice>
@@ -8464,7 +8464,7 @@
             </a:pPr>
             <a:r>
               <a:rPr lang="en-US" sz="2000" dirty="0"/>
-              <a:t>All sprint 4 activities and assignments </a:t>
+              <a:t>All sprint 5 activities and assignments </a:t>
             </a:r>
             <a:r>
               <a:rPr lang="en-US" sz="2000" dirty="0">
@@ -8596,7 +8596,7 @@
             </a:pPr>
             <a:r>
               <a:rPr lang="en-US" sz="2000" dirty="0"/>
-              <a:t>Review and discussion SwissArmyKnifeLite</a:t>
+              <a:t>Review and discuss SwissArmyKnifeLite</a:t>
             </a:r>
           </a:p>
           <a:p>

--- a/lecture-slides/2019-10-28-oop.pptx
+++ b/lecture-slides/2019-10-28-oop.pptx
@@ -5,30 +5,29 @@
     <p:sldMasterId id="2147483648" r:id="rId1"/>
   </p:sldMasterIdLst>
   <p:notesMasterIdLst>
-    <p:notesMasterId r:id="rId23"/>
+    <p:notesMasterId r:id="rId22"/>
   </p:notesMasterIdLst>
   <p:sldIdLst>
     <p:sldId id="305" r:id="rId2"/>
     <p:sldId id="649" r:id="rId3"/>
-    <p:sldId id="638" r:id="rId4"/>
-    <p:sldId id="581" r:id="rId5"/>
-    <p:sldId id="636" r:id="rId6"/>
-    <p:sldId id="633" r:id="rId7"/>
-    <p:sldId id="579" r:id="rId8"/>
-    <p:sldId id="648" r:id="rId9"/>
-    <p:sldId id="556" r:id="rId10"/>
-    <p:sldId id="290" r:id="rId11"/>
-    <p:sldId id="555" r:id="rId12"/>
-    <p:sldId id="486" r:id="rId13"/>
-    <p:sldId id="616" r:id="rId14"/>
-    <p:sldId id="639" r:id="rId15"/>
-    <p:sldId id="613" r:id="rId16"/>
-    <p:sldId id="634" r:id="rId17"/>
-    <p:sldId id="618" r:id="rId18"/>
-    <p:sldId id="617" r:id="rId19"/>
-    <p:sldId id="619" r:id="rId20"/>
-    <p:sldId id="620" r:id="rId21"/>
-    <p:sldId id="621" r:id="rId22"/>
+    <p:sldId id="581" r:id="rId4"/>
+    <p:sldId id="636" r:id="rId5"/>
+    <p:sldId id="633" r:id="rId6"/>
+    <p:sldId id="579" r:id="rId7"/>
+    <p:sldId id="648" r:id="rId8"/>
+    <p:sldId id="556" r:id="rId9"/>
+    <p:sldId id="290" r:id="rId10"/>
+    <p:sldId id="555" r:id="rId11"/>
+    <p:sldId id="486" r:id="rId12"/>
+    <p:sldId id="616" r:id="rId13"/>
+    <p:sldId id="639" r:id="rId14"/>
+    <p:sldId id="613" r:id="rId15"/>
+    <p:sldId id="634" r:id="rId16"/>
+    <p:sldId id="618" r:id="rId17"/>
+    <p:sldId id="617" r:id="rId18"/>
+    <p:sldId id="619" r:id="rId19"/>
+    <p:sldId id="620" r:id="rId20"/>
+    <p:sldId id="621" r:id="rId21"/>
   </p:sldIdLst>
   <p:sldSz cx="12192000" cy="6858000"/>
   <p:notesSz cx="6858000" cy="9144000"/>
@@ -134,7 +133,6 @@
           <p14:sldIdLst>
             <p14:sldId id="305"/>
             <p14:sldId id="649"/>
-            <p14:sldId id="638"/>
             <p14:sldId id="581"/>
             <p14:sldId id="636"/>
             <p14:sldId id="633"/>
@@ -246,7 +244,7 @@
           <a:p>
             <a:fld id="{A677DEB0-5AA4-49C7-B0AD-AD047A002C4C}" type="datetimeFigureOut">
               <a:rPr lang="en-US" smtClean="0"/>
-              <a:t>10/26/2019</a:t>
+              <a:t>10/28/2019</a:t>
             </a:fld>
             <a:endParaRPr lang="en-US"/>
           </a:p>
@@ -706,7 +704,7 @@
           <a:p>
             <a:fld id="{23B99BB9-C7F6-43B3-A122-46088ABB36FB}" type="slidenum">
               <a:rPr lang="en-US" smtClean="0"/>
-              <a:t>13</a:t>
+              <a:t>12</a:t>
             </a:fld>
             <a:endParaRPr lang="en-US"/>
           </a:p>
@@ -790,7 +788,7 @@
           <a:p>
             <a:fld id="{5394DE12-7B9B-46AA-AC19-C30A49928B9B}" type="slidenum">
               <a:rPr lang="en-US" smtClean="0"/>
-              <a:t>15</a:t>
+              <a:t>14</a:t>
             </a:fld>
             <a:endParaRPr lang="en-US" dirty="0"/>
           </a:p>
@@ -874,7 +872,7 @@
           <a:p>
             <a:fld id="{23B99BB9-C7F6-43B3-A122-46088ABB36FB}" type="slidenum">
               <a:rPr lang="en-US" smtClean="0"/>
-              <a:t>17</a:t>
+              <a:t>16</a:t>
             </a:fld>
             <a:endParaRPr lang="en-US"/>
           </a:p>
@@ -958,7 +956,7 @@
           <a:p>
             <a:fld id="{23B99BB9-C7F6-43B3-A122-46088ABB36FB}" type="slidenum">
               <a:rPr lang="en-US" smtClean="0"/>
-              <a:t>18</a:t>
+              <a:t>17</a:t>
             </a:fld>
             <a:endParaRPr lang="en-US"/>
           </a:p>
@@ -1045,7 +1043,7 @@
           <a:p>
             <a:fld id="{23B99BB9-C7F6-43B3-A122-46088ABB36FB}" type="slidenum">
               <a:rPr lang="en-US" smtClean="0"/>
-              <a:t>19</a:t>
+              <a:t>18</a:t>
             </a:fld>
             <a:endParaRPr lang="en-US"/>
           </a:p>
@@ -1132,7 +1130,7 @@
           <a:p>
             <a:fld id="{23B99BB9-C7F6-43B3-A122-46088ABB36FB}" type="slidenum">
               <a:rPr lang="en-US" smtClean="0"/>
-              <a:t>20</a:t>
+              <a:t>19</a:t>
             </a:fld>
             <a:endParaRPr lang="en-US"/>
           </a:p>
@@ -1219,7 +1217,7 @@
           <a:p>
             <a:fld id="{23B99BB9-C7F6-43B3-A122-46088ABB36FB}" type="slidenum">
               <a:rPr lang="en-US" smtClean="0"/>
-              <a:t>21</a:t>
+              <a:t>20</a:t>
             </a:fld>
             <a:endParaRPr lang="en-US"/>
           </a:p>
@@ -1303,7 +1301,7 @@
           <a:p>
             <a:fld id="{5394DE12-7B9B-46AA-AC19-C30A49928B9B}" type="slidenum">
               <a:rPr lang="en-US" smtClean="0"/>
-              <a:t>4</a:t>
+              <a:t>3</a:t>
             </a:fld>
             <a:endParaRPr lang="en-US" dirty="0"/>
           </a:p>
@@ -1387,7 +1385,7 @@
           <a:p>
             <a:fld id="{5394DE12-7B9B-46AA-AC19-C30A49928B9B}" type="slidenum">
               <a:rPr lang="en-US" smtClean="0"/>
-              <a:t>6</a:t>
+              <a:t>5</a:t>
             </a:fld>
             <a:endParaRPr lang="en-US" dirty="0"/>
           </a:p>
@@ -1471,7 +1469,7 @@
           <a:p>
             <a:fld id="{23B99BB9-C7F6-43B3-A122-46088ABB36FB}" type="slidenum">
               <a:rPr lang="en-US" smtClean="0"/>
-              <a:t>7</a:t>
+              <a:t>6</a:t>
             </a:fld>
             <a:endParaRPr lang="en-US"/>
           </a:p>
@@ -1555,7 +1553,7 @@
           <a:p>
             <a:fld id="{5394DE12-7B9B-46AA-AC19-C30A49928B9B}" type="slidenum">
               <a:rPr lang="en-US" smtClean="0"/>
-              <a:t>8</a:t>
+              <a:t>7</a:t>
             </a:fld>
             <a:endParaRPr lang="en-US" dirty="0"/>
           </a:p>
@@ -1639,7 +1637,7 @@
           <a:p>
             <a:fld id="{5394DE12-7B9B-46AA-AC19-C30A49928B9B}" type="slidenum">
               <a:rPr lang="en-US" smtClean="0"/>
-              <a:t>9</a:t>
+              <a:t>8</a:t>
             </a:fld>
             <a:endParaRPr lang="en-US" dirty="0"/>
           </a:p>
@@ -1723,7 +1721,7 @@
           <a:p>
             <a:fld id="{23B99BB9-C7F6-43B3-A122-46088ABB36FB}" type="slidenum">
               <a:rPr lang="en-US" smtClean="0"/>
-              <a:t>10</a:t>
+              <a:t>9</a:t>
             </a:fld>
             <a:endParaRPr lang="en-US"/>
           </a:p>
@@ -1807,7 +1805,7 @@
           <a:p>
             <a:fld id="{23B99BB9-C7F6-43B3-A122-46088ABB36FB}" type="slidenum">
               <a:rPr lang="en-US" smtClean="0"/>
-              <a:t>11</a:t>
+              <a:t>10</a:t>
             </a:fld>
             <a:endParaRPr lang="en-US"/>
           </a:p>
@@ -1903,7 +1901,7 @@
           <a:p>
             <a:fld id="{23B99BB9-C7F6-43B3-A122-46088ABB36FB}" type="slidenum">
               <a:rPr lang="en-US" smtClean="0"/>
-              <a:t>12</a:t>
+              <a:t>11</a:t>
             </a:fld>
             <a:endParaRPr lang="en-US"/>
           </a:p>
@@ -2069,7 +2067,7 @@
           <a:p>
             <a:fld id="{1B52E0E1-344B-4E26-B5AD-CE86AB802485}" type="datetimeFigureOut">
               <a:rPr lang="en-US" smtClean="0"/>
-              <a:t>10/26/2019</a:t>
+              <a:t>10/28/2019</a:t>
             </a:fld>
             <a:endParaRPr lang="en-US"/>
           </a:p>
@@ -2267,7 +2265,7 @@
           <a:p>
             <a:fld id="{1B52E0E1-344B-4E26-B5AD-CE86AB802485}" type="datetimeFigureOut">
               <a:rPr lang="en-US" smtClean="0"/>
-              <a:t>10/26/2019</a:t>
+              <a:t>10/28/2019</a:t>
             </a:fld>
             <a:endParaRPr lang="en-US"/>
           </a:p>
@@ -2475,7 +2473,7 @@
           <a:p>
             <a:fld id="{1B52E0E1-344B-4E26-B5AD-CE86AB802485}" type="datetimeFigureOut">
               <a:rPr lang="en-US" smtClean="0"/>
-              <a:t>10/26/2019</a:t>
+              <a:t>10/28/2019</a:t>
             </a:fld>
             <a:endParaRPr lang="en-US"/>
           </a:p>
@@ -2673,7 +2671,7 @@
           <a:p>
             <a:fld id="{1B52E0E1-344B-4E26-B5AD-CE86AB802485}" type="datetimeFigureOut">
               <a:rPr lang="en-US" smtClean="0"/>
-              <a:t>10/26/2019</a:t>
+              <a:t>10/28/2019</a:t>
             </a:fld>
             <a:endParaRPr lang="en-US"/>
           </a:p>
@@ -2948,7 +2946,7 @@
           <a:p>
             <a:fld id="{1B52E0E1-344B-4E26-B5AD-CE86AB802485}" type="datetimeFigureOut">
               <a:rPr lang="en-US" smtClean="0"/>
-              <a:t>10/26/2019</a:t>
+              <a:t>10/28/2019</a:t>
             </a:fld>
             <a:endParaRPr lang="en-US"/>
           </a:p>
@@ -3213,7 +3211,7 @@
           <a:p>
             <a:fld id="{1B52E0E1-344B-4E26-B5AD-CE86AB802485}" type="datetimeFigureOut">
               <a:rPr lang="en-US" smtClean="0"/>
-              <a:t>10/26/2019</a:t>
+              <a:t>10/28/2019</a:t>
             </a:fld>
             <a:endParaRPr lang="en-US"/>
           </a:p>
@@ -3625,7 +3623,7 @@
           <a:p>
             <a:fld id="{1B52E0E1-344B-4E26-B5AD-CE86AB802485}" type="datetimeFigureOut">
               <a:rPr lang="en-US" smtClean="0"/>
-              <a:t>10/26/2019</a:t>
+              <a:t>10/28/2019</a:t>
             </a:fld>
             <a:endParaRPr lang="en-US"/>
           </a:p>
@@ -3766,7 +3764,7 @@
           <a:p>
             <a:fld id="{1B52E0E1-344B-4E26-B5AD-CE86AB802485}" type="datetimeFigureOut">
               <a:rPr lang="en-US" smtClean="0"/>
-              <a:t>10/26/2019</a:t>
+              <a:t>10/28/2019</a:t>
             </a:fld>
             <a:endParaRPr lang="en-US"/>
           </a:p>
@@ -3879,7 +3877,7 @@
           <a:p>
             <a:fld id="{1B52E0E1-344B-4E26-B5AD-CE86AB802485}" type="datetimeFigureOut">
               <a:rPr lang="en-US" smtClean="0"/>
-              <a:t>10/26/2019</a:t>
+              <a:t>10/28/2019</a:t>
             </a:fld>
             <a:endParaRPr lang="en-US"/>
           </a:p>
@@ -4190,7 +4188,7 @@
           <a:p>
             <a:fld id="{1B52E0E1-344B-4E26-B5AD-CE86AB802485}" type="datetimeFigureOut">
               <a:rPr lang="en-US" smtClean="0"/>
-              <a:t>10/26/2019</a:t>
+              <a:t>10/28/2019</a:t>
             </a:fld>
             <a:endParaRPr lang="en-US"/>
           </a:p>
@@ -4478,7 +4476,7 @@
           <a:p>
             <a:fld id="{1B52E0E1-344B-4E26-B5AD-CE86AB802485}" type="datetimeFigureOut">
               <a:rPr lang="en-US" smtClean="0"/>
-              <a:t>10/26/2019</a:t>
+              <a:t>10/28/2019</a:t>
             </a:fld>
             <a:endParaRPr lang="en-US"/>
           </a:p>
@@ -4719,7 +4717,7 @@
           <a:p>
             <a:fld id="{1B52E0E1-344B-4E26-B5AD-CE86AB802485}" type="datetimeFigureOut">
               <a:rPr lang="en-US" smtClean="0"/>
-              <a:t>10/26/2019</a:t>
+              <a:t>10/28/2019</a:t>
             </a:fld>
             <a:endParaRPr lang="en-US"/>
           </a:p>
@@ -5390,205 +5388,6 @@
               <a:rPr lang="en-US" sz="3600" dirty="0">
                 <a:latin typeface="+mn-lt"/>
               </a:rPr>
-              <a:t>Web Services</a:t>
-            </a:r>
-          </a:p>
-        </p:txBody>
-      </p:sp>
-      <p:sp>
-        <p:nvSpPr>
-          <p:cNvPr id="3" name="Rectangle 2">
-            <a:extLst>
-              <a:ext uri="{FF2B5EF4-FFF2-40B4-BE49-F238E27FC236}">
-                <a16:creationId xmlns:a16="http://schemas.microsoft.com/office/drawing/2014/main" id="{6D4E1A95-16DC-4582-B3DE-CCF6667D032F}"/>
-              </a:ext>
-            </a:extLst>
-          </p:cNvPr>
-          <p:cNvSpPr/>
-          <p:nvPr/>
-        </p:nvSpPr>
-        <p:spPr>
-          <a:xfrm>
-            <a:off x="752475" y="1614309"/>
-            <a:ext cx="10515600" cy="2585323"/>
-          </a:xfrm>
-          <a:prstGeom prst="rect">
-            <a:avLst/>
-          </a:prstGeom>
-        </p:spPr>
-        <p:txBody>
-          <a:bodyPr wrap="square">
-            <a:spAutoFit/>
-          </a:bodyPr>
-          <a:lstStyle/>
-          <a:p>
-            <a:r>
-              <a:rPr lang="en-US" dirty="0"/>
-              <a:t>In a web service, the Web technology such as </a:t>
-            </a:r>
-            <a:r>
-              <a:rPr lang="en-US" dirty="0">
-                <a:hlinkClick r:id="rId3" tooltip="HTTP"/>
-              </a:rPr>
-              <a:t>HTTP</a:t>
-            </a:r>
-            <a:r>
-              <a:rPr lang="en-US" dirty="0"/>
-              <a:t>—originally designed for human-to-machine communication—is utilized for machine-to-machine communication, more specifically for transferring machine-readable file formats such as </a:t>
-            </a:r>
-            <a:r>
-              <a:rPr lang="en-US" dirty="0">
-                <a:hlinkClick r:id="rId4" tooltip="XML"/>
-              </a:rPr>
-              <a:t>XML</a:t>
-            </a:r>
-            <a:r>
-              <a:rPr lang="en-US" dirty="0"/>
-              <a:t> and </a:t>
-            </a:r>
-            <a:r>
-              <a:rPr lang="en-US" dirty="0">
-                <a:hlinkClick r:id="rId5" tooltip="JSON"/>
-              </a:rPr>
-              <a:t>JSON</a:t>
-            </a:r>
-            <a:r>
-              <a:rPr lang="en-US" dirty="0"/>
-              <a:t>.</a:t>
-            </a:r>
-          </a:p>
-          <a:p>
-            <a:endParaRPr lang="en-US" dirty="0"/>
-          </a:p>
-          <a:p>
-            <a:r>
-              <a:rPr lang="en-US" dirty="0"/>
-              <a:t>In practice, a web service commonly provides an </a:t>
-            </a:r>
-            <a:r>
-              <a:rPr lang="en-US" dirty="0">
-                <a:hlinkClick r:id="rId6" tooltip="Object database"/>
-              </a:rPr>
-              <a:t>object-oriented</a:t>
-            </a:r>
-            <a:r>
-              <a:rPr lang="en-US" dirty="0"/>
-              <a:t> web-based interface to a database server, utilized for example by another web server, or by a </a:t>
-            </a:r>
-            <a:r>
-              <a:rPr lang="en-US" dirty="0">
-                <a:hlinkClick r:id="rId7" tooltip="Mobile app development"/>
-              </a:rPr>
-              <a:t>mobile app</a:t>
-            </a:r>
-            <a:r>
-              <a:rPr lang="en-US" dirty="0"/>
-              <a:t>, that provides a user interface to the end user. </a:t>
-            </a:r>
-          </a:p>
-          <a:p>
-            <a:endParaRPr lang="en-US" dirty="0"/>
-          </a:p>
-          <a:p>
-            <a:r>
-              <a:rPr lang="en-US" dirty="0"/>
-              <a:t>Many organizations that provide data in formatted HTML pages will also provide that data on their server as XML or JSON, often through a web service to allow syndication</a:t>
-            </a:r>
-          </a:p>
-        </p:txBody>
-      </p:sp>
-      <p:pic>
-        <p:nvPicPr>
-          <p:cNvPr id="6" name="Picture 5">
-            <a:extLst>
-              <a:ext uri="{FF2B5EF4-FFF2-40B4-BE49-F238E27FC236}">
-                <a16:creationId xmlns:a16="http://schemas.microsoft.com/office/drawing/2014/main" id="{2CE7C933-0F89-420D-9B13-0331165A1E50}"/>
-              </a:ext>
-            </a:extLst>
-          </p:cNvPr>
-          <p:cNvPicPr>
-            <a:picLocks noChangeAspect="1"/>
-          </p:cNvPicPr>
-          <p:nvPr/>
-        </p:nvPicPr>
-        <p:blipFill>
-          <a:blip r:embed="rId8"/>
-          <a:stretch>
-            <a:fillRect/>
-          </a:stretch>
-        </p:blipFill>
-        <p:spPr>
-          <a:xfrm>
-            <a:off x="10765403" y="59830"/>
-            <a:ext cx="1290389" cy="1420356"/>
-          </a:xfrm>
-          <a:prstGeom prst="rect">
-            <a:avLst/>
-          </a:prstGeom>
-        </p:spPr>
-      </p:pic>
-    </p:spTree>
-    <p:extLst>
-      <p:ext uri="{BB962C8B-B14F-4D97-AF65-F5344CB8AC3E}">
-        <p14:creationId xmlns:p14="http://schemas.microsoft.com/office/powerpoint/2010/main" val="1887818089"/>
-      </p:ext>
-    </p:extLst>
-  </p:cSld>
-  <p:clrMapOvr>
-    <a:masterClrMapping/>
-  </p:clrMapOvr>
-</p:sld>
-</file>
-
-<file path=ppt/slides/slide11.xml><?xml version="1.0" encoding="utf-8"?>
-<p:sld xmlns:a="http://schemas.openxmlformats.org/drawingml/2006/main" xmlns:r="http://schemas.openxmlformats.org/officeDocument/2006/relationships" xmlns:p="http://schemas.openxmlformats.org/presentationml/2006/main">
-  <p:cSld>
-    <p:spTree>
-      <p:nvGrpSpPr>
-        <p:cNvPr id="1" name=""/>
-        <p:cNvGrpSpPr/>
-        <p:nvPr/>
-      </p:nvGrpSpPr>
-      <p:grpSpPr>
-        <a:xfrm>
-          <a:off x="0" y="0"/>
-          <a:ext cx="0" cy="0"/>
-          <a:chOff x="0" y="0"/>
-          <a:chExt cx="0" cy="0"/>
-        </a:xfrm>
-      </p:grpSpPr>
-      <p:sp>
-        <p:nvSpPr>
-          <p:cNvPr id="4" name="Title 1">
-            <a:extLst>
-              <a:ext uri="{FF2B5EF4-FFF2-40B4-BE49-F238E27FC236}">
-                <a16:creationId xmlns:a16="http://schemas.microsoft.com/office/drawing/2014/main" id="{527CE47F-3EF6-48CA-9239-E8B6E5C6B41A}"/>
-              </a:ext>
-            </a:extLst>
-          </p:cNvPr>
-          <p:cNvSpPr>
-            <a:spLocks noGrp="1"/>
-          </p:cNvSpPr>
-          <p:nvPr>
-            <p:ph type="title"/>
-          </p:nvPr>
-        </p:nvSpPr>
-        <p:spPr>
-          <a:xfrm>
-            <a:off x="838200" y="365125"/>
-            <a:ext cx="10515600" cy="1325563"/>
-          </a:xfrm>
-        </p:spPr>
-        <p:txBody>
-          <a:bodyPr>
-            <a:normAutofit/>
-          </a:bodyPr>
-          <a:lstStyle/>
-          <a:p>
-            <a:r>
-              <a:rPr lang="en-US" sz="3600" dirty="0">
-                <a:latin typeface="+mn-lt"/>
-              </a:rPr>
               <a:t>REST</a:t>
             </a:r>
           </a:p>
@@ -5689,7 +5488,7 @@
 </p:sld>
 </file>
 
-<file path=ppt/slides/slide12.xml><?xml version="1.0" encoding="utf-8"?>
+<file path=ppt/slides/slide11.xml><?xml version="1.0" encoding="utf-8"?>
 <p:sld xmlns:a="http://schemas.openxmlformats.org/drawingml/2006/main" xmlns:r="http://schemas.openxmlformats.org/officeDocument/2006/relationships" xmlns:p="http://schemas.openxmlformats.org/presentationml/2006/main">
   <p:cSld>
     <p:spTree>
@@ -5994,7 +5793,7 @@
 </p:sld>
 </file>
 
-<file path=ppt/slides/slide13.xml><?xml version="1.0" encoding="utf-8"?>
+<file path=ppt/slides/slide12.xml><?xml version="1.0" encoding="utf-8"?>
 <p:sld xmlns:a="http://schemas.openxmlformats.org/drawingml/2006/main" xmlns:r="http://schemas.openxmlformats.org/officeDocument/2006/relationships" xmlns:p="http://schemas.openxmlformats.org/presentationml/2006/main">
   <p:cSld>
     <p:spTree>
@@ -6439,7 +6238,7 @@
 </p:sld>
 </file>
 
-<file path=ppt/slides/slide14.xml><?xml version="1.0" encoding="utf-8"?>
+<file path=ppt/slides/slide13.xml><?xml version="1.0" encoding="utf-8"?>
 <p:sld xmlns:a="http://schemas.openxmlformats.org/drawingml/2006/main" xmlns:r="http://schemas.openxmlformats.org/officeDocument/2006/relationships" xmlns:p="http://schemas.openxmlformats.org/presentationml/2006/main">
   <p:cSld>
     <p:spTree>
@@ -6552,7 +6351,7 @@
 </p:sld>
 </file>
 
-<file path=ppt/slides/slide15.xml><?xml version="1.0" encoding="utf-8"?>
+<file path=ppt/slides/slide14.xml><?xml version="1.0" encoding="utf-8"?>
 <p:sld xmlns:a="http://schemas.openxmlformats.org/drawingml/2006/main" xmlns:r="http://schemas.openxmlformats.org/officeDocument/2006/relationships" xmlns:p="http://schemas.openxmlformats.org/presentationml/2006/main">
   <p:cSld>
     <p:bg>
@@ -6621,7 +6420,7 @@
 </p:sld>
 </file>
 
-<file path=ppt/slides/slide16.xml><?xml version="1.0" encoding="utf-8"?>
+<file path=ppt/slides/slide15.xml><?xml version="1.0" encoding="utf-8"?>
 <p:sld xmlns:a="http://schemas.openxmlformats.org/drawingml/2006/main" xmlns:r="http://schemas.openxmlformats.org/officeDocument/2006/relationships" xmlns:p="http://schemas.openxmlformats.org/presentationml/2006/main">
   <p:cSld>
     <p:spTree>
@@ -6660,7 +6459,7 @@
           <a:graphicData uri="http://schemas.openxmlformats.org/presentationml/2006/ole">
             <mc:AlternateContent xmlns:mc="http://schemas.openxmlformats.org/markup-compatibility/2006">
               <mc:Choice xmlns:v="urn:schemas-microsoft-com:vml" Requires="v">
-                <p:oleObj spid="_x0000_s3076" name="Worksheet" r:id="rId3" imgW="7289800" imgH="7023100" progId="Excel.Sheet.12">
+                <p:oleObj spid="_x0000_s3078" name="Worksheet" r:id="rId3" imgW="7289800" imgH="7023100" progId="Excel.Sheet.12">
                   <p:embed/>
                 </p:oleObj>
               </mc:Choice>
@@ -6854,7 +6653,7 @@
 </p:sld>
 </file>
 
-<file path=ppt/slides/slide17.xml><?xml version="1.0" encoding="utf-8"?>
+<file path=ppt/slides/slide16.xml><?xml version="1.0" encoding="utf-8"?>
 <p:sld xmlns:a="http://schemas.openxmlformats.org/drawingml/2006/main" xmlns:r="http://schemas.openxmlformats.org/officeDocument/2006/relationships" xmlns:p="http://schemas.openxmlformats.org/presentationml/2006/main">
   <p:cSld>
     <p:spTree>
@@ -7029,7 +6828,7 @@
 </p:sld>
 </file>
 
-<file path=ppt/slides/slide18.xml><?xml version="1.0" encoding="utf-8"?>
+<file path=ppt/slides/slide17.xml><?xml version="1.0" encoding="utf-8"?>
 <p:sld xmlns:a="http://schemas.openxmlformats.org/drawingml/2006/main" xmlns:r="http://schemas.openxmlformats.org/officeDocument/2006/relationships" xmlns:p="http://schemas.openxmlformats.org/presentationml/2006/main">
   <p:cSld>
     <p:spTree>
@@ -7461,6 +7260,199 @@
 </p:sld>
 </file>
 
+<file path=ppt/slides/slide18.xml><?xml version="1.0" encoding="utf-8"?>
+<p:sld xmlns:a="http://schemas.openxmlformats.org/drawingml/2006/main" xmlns:r="http://schemas.openxmlformats.org/officeDocument/2006/relationships" xmlns:p="http://schemas.openxmlformats.org/presentationml/2006/main">
+  <p:cSld>
+    <p:spTree>
+      <p:nvGrpSpPr>
+        <p:cNvPr id="1" name=""/>
+        <p:cNvGrpSpPr/>
+        <p:nvPr/>
+      </p:nvGrpSpPr>
+      <p:grpSpPr>
+        <a:xfrm>
+          <a:off x="0" y="0"/>
+          <a:ext cx="0" cy="0"/>
+          <a:chOff x="0" y="0"/>
+          <a:chExt cx="0" cy="0"/>
+        </a:xfrm>
+      </p:grpSpPr>
+      <p:sp>
+        <p:nvSpPr>
+          <p:cNvPr id="4" name="Title 1">
+            <a:extLst>
+              <a:ext uri="{FF2B5EF4-FFF2-40B4-BE49-F238E27FC236}">
+                <a16:creationId xmlns:a16="http://schemas.microsoft.com/office/drawing/2014/main" id="{527CE47F-3EF6-48CA-9239-E8B6E5C6B41A}"/>
+              </a:ext>
+            </a:extLst>
+          </p:cNvPr>
+          <p:cNvSpPr>
+            <a:spLocks noGrp="1"/>
+          </p:cNvSpPr>
+          <p:nvPr>
+            <p:ph type="title"/>
+          </p:nvPr>
+        </p:nvSpPr>
+        <p:spPr>
+          <a:xfrm>
+            <a:off x="473723" y="963877"/>
+            <a:ext cx="3722573" cy="4930246"/>
+          </a:xfrm>
+        </p:spPr>
+        <p:txBody>
+          <a:bodyPr>
+            <a:normAutofit/>
+          </a:bodyPr>
+          <a:lstStyle/>
+          <a:p>
+            <a:pPr algn="r"/>
+            <a:r>
+              <a:rPr lang="en-US" dirty="0">
+                <a:solidFill>
+                  <a:schemeClr val="accent1"/>
+                </a:solidFill>
+              </a:rPr>
+              <a:t>People, Process, </a:t>
+            </a:r>
+            <a:br>
+              <a:rPr lang="en-US" dirty="0">
+                <a:solidFill>
+                  <a:schemeClr val="accent1"/>
+                </a:solidFill>
+              </a:rPr>
+            </a:br>
+            <a:r>
+              <a:rPr lang="en-US" dirty="0">
+                <a:solidFill>
+                  <a:schemeClr val="accent1"/>
+                </a:solidFill>
+              </a:rPr>
+              <a:t>and Technology</a:t>
+            </a:r>
+            <a:br>
+              <a:rPr lang="en-US" dirty="0">
+                <a:solidFill>
+                  <a:schemeClr val="accent1"/>
+                </a:solidFill>
+              </a:rPr>
+            </a:br>
+            <a:r>
+              <a:rPr lang="en-US" dirty="0">
+                <a:solidFill>
+                  <a:schemeClr val="accent1"/>
+                </a:solidFill>
+              </a:rPr>
+              <a:t>	</a:t>
+            </a:r>
+          </a:p>
+        </p:txBody>
+      </p:sp>
+      <p:sp>
+        <p:nvSpPr>
+          <p:cNvPr id="5" name="Content Placeholder 2">
+            <a:extLst>
+              <a:ext uri="{FF2B5EF4-FFF2-40B4-BE49-F238E27FC236}">
+                <a16:creationId xmlns:a16="http://schemas.microsoft.com/office/drawing/2014/main" id="{E8F0EA9A-219C-40FD-AE36-784EE1B77D56}"/>
+              </a:ext>
+            </a:extLst>
+          </p:cNvPr>
+          <p:cNvSpPr>
+            <a:spLocks noGrp="1"/>
+          </p:cNvSpPr>
+          <p:nvPr>
+            <p:ph idx="1"/>
+          </p:nvPr>
+        </p:nvSpPr>
+        <p:spPr>
+          <a:xfrm>
+            <a:off x="4976031" y="963877"/>
+            <a:ext cx="6377769" cy="4930246"/>
+          </a:xfrm>
+        </p:spPr>
+        <p:txBody>
+          <a:bodyPr anchor="ctr">
+            <a:normAutofit/>
+          </a:bodyPr>
+          <a:lstStyle/>
+          <a:p>
+            <a:pPr marL="0" indent="0">
+              <a:buNone/>
+            </a:pPr>
+            <a:r>
+              <a:rPr lang="en-US" b="1" dirty="0"/>
+              <a:t>Software Engineering:</a:t>
+            </a:r>
+          </a:p>
+          <a:p>
+            <a:pPr marL="0" indent="0">
+              <a:spcBef>
+                <a:spcPts val="1800"/>
+              </a:spcBef>
+              <a:buNone/>
+            </a:pPr>
+            <a:r>
+              <a:rPr lang="en-US" sz="2400" u="sng" dirty="0"/>
+              <a:t>People</a:t>
+            </a:r>
+            <a:r>
+              <a:rPr lang="en-US" sz="2400" dirty="0"/>
+              <a:t>: Teams, Engagement, Optimism, Ambition, Dedication, Leadership, Skills, Experience, and Domain Knowledge</a:t>
+            </a:r>
+          </a:p>
+          <a:p>
+            <a:pPr marL="0" indent="0">
+              <a:spcBef>
+                <a:spcPts val="1800"/>
+              </a:spcBef>
+              <a:buNone/>
+            </a:pPr>
+            <a:r>
+              <a:rPr lang="en-US" sz="2400" u="sng" dirty="0"/>
+              <a:t>Process</a:t>
+            </a:r>
+            <a:r>
+              <a:rPr lang="en-US" sz="2400" dirty="0"/>
+              <a:t>: Waterfall/Iterative/Agile, Portfolio Management, Project Management, Funding, Prioritization, and Metrics</a:t>
+            </a:r>
+          </a:p>
+          <a:p>
+            <a:pPr marL="0" indent="0">
+              <a:spcBef>
+                <a:spcPts val="1800"/>
+              </a:spcBef>
+              <a:buNone/>
+            </a:pPr>
+            <a:r>
+              <a:rPr lang="en-US" sz="2400" u="sng" dirty="0"/>
+              <a:t>Technology</a:t>
+            </a:r>
+            <a:r>
+              <a:rPr lang="en-US" sz="2400" dirty="0"/>
+              <a:t>: Programming Languages, Object-Oriented Programming, Configuration Management, Cloud Hosting, Scriptable Infrastructure, Source Code Management, and Automated Testing</a:t>
+            </a:r>
+            <a:endParaRPr lang="en-US" sz="2400" b="1" dirty="0"/>
+          </a:p>
+          <a:p>
+            <a:pPr marL="0" indent="0">
+              <a:buNone/>
+            </a:pPr>
+            <a:endParaRPr lang="en-US" sz="2400" b="1" dirty="0"/>
+          </a:p>
+        </p:txBody>
+      </p:sp>
+    </p:spTree>
+    <p:extLst>
+      <p:ext uri="{BB962C8B-B14F-4D97-AF65-F5344CB8AC3E}">
+        <p14:creationId xmlns:p14="http://schemas.microsoft.com/office/powerpoint/2010/main" val="625266363"/>
+      </p:ext>
+    </p:extLst>
+  </p:cSld>
+  <p:clrMapOvr>
+    <a:masterClrMapping/>
+  </p:clrMapOvr>
+</p:sld>
+</file>
+
 <file path=ppt/slides/slide19.xml><?xml version="1.0" encoding="utf-8"?>
 <p:sld xmlns:a="http://schemas.openxmlformats.org/drawingml/2006/main" xmlns:r="http://schemas.openxmlformats.org/officeDocument/2006/relationships" xmlns:p="http://schemas.openxmlformats.org/presentationml/2006/main">
   <p:cSld>
@@ -7597,7 +7589,15 @@
             </a:r>
             <a:r>
               <a:rPr lang="en-US" sz="2400" dirty="0"/>
-              <a:t>: Teams, Engagement, Optimism, Ambition, Dedication, Leadership, Skills, Experience, and Domain Knowledge</a:t>
+              <a:t>: Teams, Optimism, Engagement, Ambition, Dedication, Leadership, </a:t>
+            </a:r>
+            <a:r>
+              <a:rPr lang="en-US" sz="2400" b="1" i="1" u="sng" dirty="0"/>
+              <a:t>Skills</a:t>
+            </a:r>
+            <a:r>
+              <a:rPr lang="en-US" sz="2400" dirty="0"/>
+              <a:t>, Experience, and Domain Knowledge</a:t>
             </a:r>
           </a:p>
           <a:p>
@@ -7613,7 +7613,15 @@
             </a:r>
             <a:r>
               <a:rPr lang="en-US" sz="2400" dirty="0"/>
-              <a:t>: Waterfall/Iterative/Agile, Portfolio Management, Project Management, Funding, Prioritization, and Metrics</a:t>
+              <a:t>: Waterfall/Iterative/</a:t>
+            </a:r>
+            <a:r>
+              <a:rPr lang="en-US" sz="2400" b="1" i="1" u="sng" dirty="0"/>
+              <a:t>Agile</a:t>
+            </a:r>
+            <a:r>
+              <a:rPr lang="en-US" sz="2400" dirty="0"/>
+              <a:t>, Portfolio Management, Project Management, Funding, Prioritization, and Metrics</a:t>
             </a:r>
           </a:p>
           <a:p>
@@ -7629,7 +7637,15 @@
             </a:r>
             <a:r>
               <a:rPr lang="en-US" sz="2400" dirty="0"/>
-              <a:t>: Programming Languages, Object-Oriented Programming, Configuration Management, Cloud Hosting, Scriptable Infrastructure, Source Code Management, and Automated Testing</a:t>
+              <a:t>: </a:t>
+            </a:r>
+            <a:r>
+              <a:rPr lang="en-US" sz="2400" b="1" i="1" u="sng" dirty="0"/>
+              <a:t>Programming Languages,</a:t>
+            </a:r>
+            <a:r>
+              <a:rPr lang="en-US" sz="2400" dirty="0"/>
+              <a:t> Object-Oriented Programming, Configuration Management, Cloud Hosting, Scriptable Infrastructure, Source Code Management, and Automated Testing</a:t>
             </a:r>
             <a:endParaRPr lang="en-US" sz="2400" b="1" dirty="0"/>
           </a:p>
@@ -7644,7 +7660,7 @@
     </p:spTree>
     <p:extLst>
       <p:ext uri="{BB962C8B-B14F-4D97-AF65-F5344CB8AC3E}">
-        <p14:creationId xmlns:p14="http://schemas.microsoft.com/office/powerpoint/2010/main" val="625266363"/>
+        <p14:creationId xmlns:p14="http://schemas.microsoft.com/office/powerpoint/2010/main" val="871896966"/>
       </p:ext>
     </p:extLst>
   </p:cSld>
@@ -7904,223 +7920,6 @@
             </a:r>
             <a:r>
               <a:rPr lang="en-US" sz="2400" dirty="0"/>
-              <a:t>, Experience, and Domain Knowledge</a:t>
-            </a:r>
-          </a:p>
-          <a:p>
-            <a:pPr marL="0" indent="0">
-              <a:spcBef>
-                <a:spcPts val="1800"/>
-              </a:spcBef>
-              <a:buNone/>
-            </a:pPr>
-            <a:r>
-              <a:rPr lang="en-US" sz="2400" u="sng" dirty="0"/>
-              <a:t>Process</a:t>
-            </a:r>
-            <a:r>
-              <a:rPr lang="en-US" sz="2400" dirty="0"/>
-              <a:t>: Waterfall/Iterative/</a:t>
-            </a:r>
-            <a:r>
-              <a:rPr lang="en-US" sz="2400" b="1" i="1" u="sng" dirty="0"/>
-              <a:t>Agile</a:t>
-            </a:r>
-            <a:r>
-              <a:rPr lang="en-US" sz="2400" dirty="0"/>
-              <a:t>, Portfolio Management, Project Management, Funding, Prioritization, and Metrics</a:t>
-            </a:r>
-          </a:p>
-          <a:p>
-            <a:pPr marL="0" indent="0">
-              <a:spcBef>
-                <a:spcPts val="1800"/>
-              </a:spcBef>
-              <a:buNone/>
-            </a:pPr>
-            <a:r>
-              <a:rPr lang="en-US" sz="2400" u="sng" dirty="0"/>
-              <a:t>Technology</a:t>
-            </a:r>
-            <a:r>
-              <a:rPr lang="en-US" sz="2400" dirty="0"/>
-              <a:t>: </a:t>
-            </a:r>
-            <a:r>
-              <a:rPr lang="en-US" sz="2400" b="1" i="1" u="sng" dirty="0"/>
-              <a:t>Programming Languages,</a:t>
-            </a:r>
-            <a:r>
-              <a:rPr lang="en-US" sz="2400" dirty="0"/>
-              <a:t> Object-Oriented Programming, Configuration Management, Cloud Hosting, Scriptable Infrastructure, Source Code Management, and Automated Testing</a:t>
-            </a:r>
-            <a:endParaRPr lang="en-US" sz="2400" b="1" dirty="0"/>
-          </a:p>
-          <a:p>
-            <a:pPr marL="0" indent="0">
-              <a:buNone/>
-            </a:pPr>
-            <a:endParaRPr lang="en-US" sz="2400" b="1" dirty="0"/>
-          </a:p>
-        </p:txBody>
-      </p:sp>
-    </p:spTree>
-    <p:extLst>
-      <p:ext uri="{BB962C8B-B14F-4D97-AF65-F5344CB8AC3E}">
-        <p14:creationId xmlns:p14="http://schemas.microsoft.com/office/powerpoint/2010/main" val="871896966"/>
-      </p:ext>
-    </p:extLst>
-  </p:cSld>
-  <p:clrMapOvr>
-    <a:masterClrMapping/>
-  </p:clrMapOvr>
-</p:sld>
-</file>
-
-<file path=ppt/slides/slide21.xml><?xml version="1.0" encoding="utf-8"?>
-<p:sld xmlns:a="http://schemas.openxmlformats.org/drawingml/2006/main" xmlns:r="http://schemas.openxmlformats.org/officeDocument/2006/relationships" xmlns:p="http://schemas.openxmlformats.org/presentationml/2006/main">
-  <p:cSld>
-    <p:spTree>
-      <p:nvGrpSpPr>
-        <p:cNvPr id="1" name=""/>
-        <p:cNvGrpSpPr/>
-        <p:nvPr/>
-      </p:nvGrpSpPr>
-      <p:grpSpPr>
-        <a:xfrm>
-          <a:off x="0" y="0"/>
-          <a:ext cx="0" cy="0"/>
-          <a:chOff x="0" y="0"/>
-          <a:chExt cx="0" cy="0"/>
-        </a:xfrm>
-      </p:grpSpPr>
-      <p:sp>
-        <p:nvSpPr>
-          <p:cNvPr id="4" name="Title 1">
-            <a:extLst>
-              <a:ext uri="{FF2B5EF4-FFF2-40B4-BE49-F238E27FC236}">
-                <a16:creationId xmlns:a16="http://schemas.microsoft.com/office/drawing/2014/main" id="{527CE47F-3EF6-48CA-9239-E8B6E5C6B41A}"/>
-              </a:ext>
-            </a:extLst>
-          </p:cNvPr>
-          <p:cNvSpPr>
-            <a:spLocks noGrp="1"/>
-          </p:cNvSpPr>
-          <p:nvPr>
-            <p:ph type="title"/>
-          </p:nvPr>
-        </p:nvSpPr>
-        <p:spPr>
-          <a:xfrm>
-            <a:off x="473723" y="963877"/>
-            <a:ext cx="3722573" cy="4930246"/>
-          </a:xfrm>
-        </p:spPr>
-        <p:txBody>
-          <a:bodyPr>
-            <a:normAutofit/>
-          </a:bodyPr>
-          <a:lstStyle/>
-          <a:p>
-            <a:pPr algn="r"/>
-            <a:r>
-              <a:rPr lang="en-US" dirty="0">
-                <a:solidFill>
-                  <a:schemeClr val="accent1"/>
-                </a:solidFill>
-              </a:rPr>
-              <a:t>People, Process, </a:t>
-            </a:r>
-            <a:br>
-              <a:rPr lang="en-US" dirty="0">
-                <a:solidFill>
-                  <a:schemeClr val="accent1"/>
-                </a:solidFill>
-              </a:rPr>
-            </a:br>
-            <a:r>
-              <a:rPr lang="en-US" dirty="0">
-                <a:solidFill>
-                  <a:schemeClr val="accent1"/>
-                </a:solidFill>
-              </a:rPr>
-              <a:t>and Technology</a:t>
-            </a:r>
-            <a:br>
-              <a:rPr lang="en-US" dirty="0">
-                <a:solidFill>
-                  <a:schemeClr val="accent1"/>
-                </a:solidFill>
-              </a:rPr>
-            </a:br>
-            <a:r>
-              <a:rPr lang="en-US" dirty="0">
-                <a:solidFill>
-                  <a:schemeClr val="accent1"/>
-                </a:solidFill>
-              </a:rPr>
-              <a:t>	</a:t>
-            </a:r>
-          </a:p>
-        </p:txBody>
-      </p:sp>
-      <p:sp>
-        <p:nvSpPr>
-          <p:cNvPr id="5" name="Content Placeholder 2">
-            <a:extLst>
-              <a:ext uri="{FF2B5EF4-FFF2-40B4-BE49-F238E27FC236}">
-                <a16:creationId xmlns:a16="http://schemas.microsoft.com/office/drawing/2014/main" id="{E8F0EA9A-219C-40FD-AE36-784EE1B77D56}"/>
-              </a:ext>
-            </a:extLst>
-          </p:cNvPr>
-          <p:cNvSpPr>
-            <a:spLocks noGrp="1"/>
-          </p:cNvSpPr>
-          <p:nvPr>
-            <p:ph idx="1"/>
-          </p:nvPr>
-        </p:nvSpPr>
-        <p:spPr>
-          <a:xfrm>
-            <a:off x="4976031" y="963877"/>
-            <a:ext cx="6377769" cy="4930246"/>
-          </a:xfrm>
-        </p:spPr>
-        <p:txBody>
-          <a:bodyPr anchor="ctr">
-            <a:normAutofit/>
-          </a:bodyPr>
-          <a:lstStyle/>
-          <a:p>
-            <a:pPr marL="0" indent="0">
-              <a:buNone/>
-            </a:pPr>
-            <a:r>
-              <a:rPr lang="en-US" b="1" dirty="0"/>
-              <a:t>Software Engineering:</a:t>
-            </a:r>
-          </a:p>
-          <a:p>
-            <a:pPr marL="0" indent="0">
-              <a:spcBef>
-                <a:spcPts val="1800"/>
-              </a:spcBef>
-              <a:buNone/>
-            </a:pPr>
-            <a:r>
-              <a:rPr lang="en-US" sz="2400" u="sng" dirty="0"/>
-              <a:t>People</a:t>
-            </a:r>
-            <a:r>
-              <a:rPr lang="en-US" sz="2400" dirty="0"/>
-              <a:t>: Teams, Optimism, Engagement, Ambition, Dedication, Leadership, </a:t>
-            </a:r>
-            <a:r>
-              <a:rPr lang="en-US" sz="2400" b="1" i="1" u="sng" dirty="0"/>
-              <a:t>Skills</a:t>
-            </a:r>
-            <a:r>
-              <a:rPr lang="en-US" sz="2400" dirty="0"/>
               <a:t>, </a:t>
             </a:r>
             <a:r>
@@ -8245,66 +8044,34 @@
       </p:grpSpPr>
       <p:sp>
         <p:nvSpPr>
-          <p:cNvPr id="2" name="Title 1">
-            <a:extLst>
-              <a:ext uri="{FF2B5EF4-FFF2-40B4-BE49-F238E27FC236}">
-                <a16:creationId xmlns:a16="http://schemas.microsoft.com/office/drawing/2014/main" id="{2A5755BE-860E-40EB-ADA6-6E82BCB49EC3}"/>
-              </a:ext>
-            </a:extLst>
-          </p:cNvPr>
-          <p:cNvSpPr>
-            <a:spLocks noGrp="1"/>
-          </p:cNvSpPr>
-          <p:nvPr>
-            <p:ph type="title"/>
-          </p:nvPr>
-        </p:nvSpPr>
-        <p:spPr/>
-        <p:txBody>
-          <a:bodyPr/>
-          <a:lstStyle/>
-          <a:p>
-            <a:r>
-              <a:rPr lang="en-US" dirty="0"/>
-              <a:t>Assignment</a:t>
-            </a:r>
-          </a:p>
-        </p:txBody>
-      </p:sp>
-      <p:sp>
-        <p:nvSpPr>
-          <p:cNvPr id="3" name="Content Placeholder 2">
-            <a:extLst>
-              <a:ext uri="{FF2B5EF4-FFF2-40B4-BE49-F238E27FC236}">
-                <a16:creationId xmlns:a16="http://schemas.microsoft.com/office/drawing/2014/main" id="{72EF5DE0-5958-4171-A9E3-3D288A31AC3F}"/>
-              </a:ext>
-            </a:extLst>
-          </p:cNvPr>
-          <p:cNvSpPr>
-            <a:spLocks noGrp="1"/>
-          </p:cNvSpPr>
-          <p:nvPr>
-            <p:ph idx="1"/>
+          <p:cNvPr id="2" name="Title 1"/>
+          <p:cNvSpPr>
+            <a:spLocks noGrp="1"/>
+          </p:cNvSpPr>
+          <p:nvPr>
+            <p:ph type="ctrTitle"/>
           </p:nvPr>
         </p:nvSpPr>
         <p:spPr>
           <a:xfrm>
-            <a:off x="838200" y="1654444"/>
-            <a:ext cx="10515600" cy="4522519"/>
+            <a:off x="1524000" y="3051480"/>
+            <a:ext cx="9144000" cy="755040"/>
           </a:xfrm>
         </p:spPr>
         <p:txBody>
-          <a:bodyPr>
-            <a:normAutofit/>
+          <a:bodyPr anchor="ctr">
+            <a:noAutofit/>
           </a:bodyPr>
           <a:lstStyle/>
           <a:p>
-            <a:pPr marL="0" indent="0">
-              <a:buNone/>
+            <a:pPr>
+              <a:spcBef>
+                <a:spcPts val="400"/>
+              </a:spcBef>
             </a:pPr>
             <a:r>
-              <a:rPr lang="en-US" sz="2000" dirty="0"/>
-              <a:t>All activities list items through item 6 prior to our next class.</a:t>
+              <a:rPr lang="en-US" sz="4400" dirty="0"/>
+              <a:t>Assignment Q&amp;A</a:t>
             </a:r>
           </a:p>
         </p:txBody>
@@ -8312,7 +8079,7 @@
     </p:spTree>
     <p:extLst>
       <p:ext uri="{BB962C8B-B14F-4D97-AF65-F5344CB8AC3E}">
-        <p14:creationId xmlns:p14="http://schemas.microsoft.com/office/powerpoint/2010/main" val="3639322204"/>
+        <p14:creationId xmlns:p14="http://schemas.microsoft.com/office/powerpoint/2010/main" val="830637783"/>
       </p:ext>
     </p:extLst>
   </p:cSld>
@@ -8341,34 +8108,76 @@
       </p:grpSpPr>
       <p:sp>
         <p:nvSpPr>
-          <p:cNvPr id="2" name="Title 1"/>
-          <p:cNvSpPr>
-            <a:spLocks noGrp="1"/>
-          </p:cNvSpPr>
-          <p:nvPr>
-            <p:ph type="ctrTitle"/>
+          <p:cNvPr id="2" name="Title 1">
+            <a:extLst>
+              <a:ext uri="{FF2B5EF4-FFF2-40B4-BE49-F238E27FC236}">
+                <a16:creationId xmlns:a16="http://schemas.microsoft.com/office/drawing/2014/main" id="{2A5755BE-860E-40EB-ADA6-6E82BCB49EC3}"/>
+              </a:ext>
+            </a:extLst>
+          </p:cNvPr>
+          <p:cNvSpPr>
+            <a:spLocks noGrp="1"/>
+          </p:cNvSpPr>
+          <p:nvPr>
+            <p:ph type="title"/>
+          </p:nvPr>
+        </p:nvSpPr>
+        <p:spPr/>
+        <p:txBody>
+          <a:bodyPr/>
+          <a:lstStyle/>
+          <a:p>
+            <a:r>
+              <a:rPr lang="en-US" dirty="0"/>
+              <a:t>Assignment</a:t>
+            </a:r>
+          </a:p>
+        </p:txBody>
+      </p:sp>
+      <p:sp>
+        <p:nvSpPr>
+          <p:cNvPr id="3" name="Content Placeholder 2">
+            <a:extLst>
+              <a:ext uri="{FF2B5EF4-FFF2-40B4-BE49-F238E27FC236}">
+                <a16:creationId xmlns:a16="http://schemas.microsoft.com/office/drawing/2014/main" id="{72EF5DE0-5958-4171-A9E3-3D288A31AC3F}"/>
+              </a:ext>
+            </a:extLst>
+          </p:cNvPr>
+          <p:cNvSpPr>
+            <a:spLocks noGrp="1"/>
+          </p:cNvSpPr>
+          <p:nvPr>
+            <p:ph idx="1"/>
           </p:nvPr>
         </p:nvSpPr>
         <p:spPr>
           <a:xfrm>
-            <a:off x="1524000" y="3051480"/>
-            <a:ext cx="9144000" cy="755040"/>
+            <a:off x="838200" y="1654444"/>
+            <a:ext cx="10515600" cy="4522519"/>
           </a:xfrm>
         </p:spPr>
         <p:txBody>
-          <a:bodyPr anchor="ctr">
-            <a:noAutofit/>
+          <a:bodyPr>
+            <a:normAutofit/>
           </a:bodyPr>
           <a:lstStyle/>
           <a:p>
-            <a:pPr>
-              <a:spcBef>
-                <a:spcPts val="400"/>
-              </a:spcBef>
+            <a:pPr marL="0" indent="0">
+              <a:buNone/>
             </a:pPr>
             <a:r>
-              <a:rPr lang="en-US" sz="4400" dirty="0"/>
-              <a:t>Assignment Q&amp;A</a:t>
+              <a:rPr lang="en-US" sz="2000" dirty="0"/>
+              <a:t>All sprint 5 activities and assignments </a:t>
+            </a:r>
+            <a:r>
+              <a:rPr lang="en-US" sz="2000" dirty="0">
+                <a:hlinkClick r:id="rId2"/>
+              </a:rPr>
+              <a:t>[link]</a:t>
+            </a:r>
+            <a:r>
+              <a:rPr lang="en-US" sz="2000" dirty="0"/>
+              <a:t> need to be complete Sunday.</a:t>
             </a:r>
           </a:p>
         </p:txBody>
@@ -8376,7 +8185,7 @@
     </p:spTree>
     <p:extLst>
       <p:ext uri="{BB962C8B-B14F-4D97-AF65-F5344CB8AC3E}">
-        <p14:creationId xmlns:p14="http://schemas.microsoft.com/office/powerpoint/2010/main" val="830637783"/>
+        <p14:creationId xmlns:p14="http://schemas.microsoft.com/office/powerpoint/2010/main" val="2831104168"/>
       </p:ext>
     </p:extLst>
   </p:cSld>
@@ -8405,52 +8214,18 @@
       </p:grpSpPr>
       <p:sp>
         <p:nvSpPr>
-          <p:cNvPr id="2" name="Title 1">
-            <a:extLst>
-              <a:ext uri="{FF2B5EF4-FFF2-40B4-BE49-F238E27FC236}">
-                <a16:creationId xmlns:a16="http://schemas.microsoft.com/office/drawing/2014/main" id="{2A5755BE-860E-40EB-ADA6-6E82BCB49EC3}"/>
-              </a:ext>
-            </a:extLst>
-          </p:cNvPr>
+          <p:cNvPr id="2" name="Title 1"/>
           <p:cNvSpPr>
             <a:spLocks noGrp="1"/>
           </p:cNvSpPr>
           <p:nvPr>
             <p:ph type="title"/>
-          </p:nvPr>
-        </p:nvSpPr>
-        <p:spPr/>
-        <p:txBody>
-          <a:bodyPr/>
-          <a:lstStyle/>
-          <a:p>
-            <a:r>
-              <a:rPr lang="en-US" dirty="0"/>
-              <a:t>Assignment</a:t>
-            </a:r>
-          </a:p>
-        </p:txBody>
-      </p:sp>
-      <p:sp>
-        <p:nvSpPr>
-          <p:cNvPr id="3" name="Content Placeholder 2">
-            <a:extLst>
-              <a:ext uri="{FF2B5EF4-FFF2-40B4-BE49-F238E27FC236}">
-                <a16:creationId xmlns:a16="http://schemas.microsoft.com/office/drawing/2014/main" id="{72EF5DE0-5958-4171-A9E3-3D288A31AC3F}"/>
-              </a:ext>
-            </a:extLst>
-          </p:cNvPr>
-          <p:cNvSpPr>
-            <a:spLocks noGrp="1"/>
-          </p:cNvSpPr>
-          <p:nvPr>
-            <p:ph idx="1"/>
           </p:nvPr>
         </p:nvSpPr>
         <p:spPr>
           <a:xfrm>
-            <a:off x="838200" y="1654444"/>
-            <a:ext cx="10515600" cy="4522519"/>
+            <a:off x="838200" y="365126"/>
+            <a:ext cx="10515600" cy="757272"/>
           </a:xfrm>
         </p:spPr>
         <p:txBody>
@@ -8459,22 +8234,178 @@
           </a:bodyPr>
           <a:lstStyle/>
           <a:p>
+            <a:r>
+              <a:rPr lang="en-US" sz="3600" dirty="0"/>
+              <a:t>Lab</a:t>
+            </a:r>
+            <a:endParaRPr lang="en-US" sz="3600" b="1" i="1" u="sng" dirty="0"/>
+          </a:p>
+        </p:txBody>
+      </p:sp>
+      <p:sp>
+        <p:nvSpPr>
+          <p:cNvPr id="3" name="Content Placeholder 2"/>
+          <p:cNvSpPr>
+            <a:spLocks noGrp="1"/>
+          </p:cNvSpPr>
+          <p:nvPr>
+            <p:ph idx="1"/>
+          </p:nvPr>
+        </p:nvSpPr>
+        <p:spPr>
+          <a:xfrm>
+            <a:off x="838200" y="1122399"/>
+            <a:ext cx="10718950" cy="3104544"/>
+          </a:xfrm>
+        </p:spPr>
+        <p:txBody>
+          <a:bodyPr>
+            <a:normAutofit/>
+          </a:bodyPr>
+          <a:lstStyle/>
+          <a:p>
             <a:pPr marL="0" indent="0">
               <a:buNone/>
             </a:pPr>
             <a:r>
               <a:rPr lang="en-US" sz="2000" dirty="0"/>
-              <a:t>All sprint 5 activities and assignments </a:t>
-            </a:r>
-            <a:r>
-              <a:rPr lang="en-US" sz="2000" dirty="0">
-                <a:hlinkClick r:id="rId2"/>
-              </a:rPr>
-              <a:t>[link]</a:t>
-            </a:r>
+              <a:t>As A Scrum Team:</a:t>
+            </a:r>
+          </a:p>
+          <a:p>
+            <a:pPr marL="457200" indent="-457200">
+              <a:buFont typeface="+mj-lt"/>
+              <a:buAutoNum type="arabicPeriod"/>
+            </a:pPr>
             <a:r>
               <a:rPr lang="en-US" sz="2000" dirty="0"/>
-              <a:t> need to be complete Sunday.</a:t>
+              <a:t>Complete Sprint 4 Retrospective utilizing Start, Stop, Continue methodology (~10 min)</a:t>
+            </a:r>
+          </a:p>
+          <a:p>
+            <a:pPr marL="457200" indent="-457200">
+              <a:buFont typeface="+mj-lt"/>
+              <a:buAutoNum type="arabicPeriod"/>
+            </a:pPr>
+            <a:r>
+              <a:rPr lang="en-US" sz="2000" dirty="0"/>
+              <a:t>Complete Discussion Boards 5 &amp; 6</a:t>
+            </a:r>
+          </a:p>
+          <a:p>
+            <a:pPr marL="457200" indent="-457200">
+              <a:buFont typeface="+mj-lt"/>
+              <a:buAutoNum type="arabicPeriod"/>
+            </a:pPr>
+            <a:r>
+              <a:rPr lang="en-US" sz="2000" dirty="0"/>
+              <a:t>Compile, Review, and discuss SwissArmyKnifeLite</a:t>
+            </a:r>
+          </a:p>
+          <a:p>
+            <a:pPr marL="457200" indent="-457200">
+              <a:buFont typeface="+mj-lt"/>
+              <a:buAutoNum type="arabicPeriod"/>
+            </a:pPr>
+            <a:r>
+              <a:rPr lang="en-US" sz="2000" dirty="0"/>
+              <a:t>Team report out by Scrum Master at 2:48</a:t>
+            </a:r>
+          </a:p>
+          <a:p>
+            <a:pPr marL="0" indent="0">
+              <a:buNone/>
+            </a:pPr>
+            <a:endParaRPr lang="en-US" sz="2000" dirty="0"/>
+          </a:p>
+          <a:p>
+            <a:pPr marL="0" indent="0">
+              <a:buNone/>
+            </a:pPr>
+            <a:endParaRPr lang="en-US" sz="2000" dirty="0"/>
+          </a:p>
+          <a:p>
+            <a:pPr marL="0" indent="0">
+              <a:buNone/>
+            </a:pPr>
+            <a:endParaRPr lang="en-US" sz="2000" dirty="0"/>
+          </a:p>
+        </p:txBody>
+      </p:sp>
+      <p:sp>
+        <p:nvSpPr>
+          <p:cNvPr id="4" name="Rectangle 3">
+            <a:extLst>
+              <a:ext uri="{FF2B5EF4-FFF2-40B4-BE49-F238E27FC236}">
+                <a16:creationId xmlns:a16="http://schemas.microsoft.com/office/drawing/2014/main" id="{26BADDFD-9BE3-0244-AE69-52D2BB47696A}"/>
+              </a:ext>
+            </a:extLst>
+          </p:cNvPr>
+          <p:cNvSpPr/>
+          <p:nvPr/>
+        </p:nvSpPr>
+        <p:spPr>
+          <a:xfrm>
+            <a:off x="838200" y="4649423"/>
+            <a:ext cx="10515600" cy="1754326"/>
+          </a:xfrm>
+          <a:prstGeom prst="rect">
+            <a:avLst/>
+          </a:prstGeom>
+        </p:spPr>
+        <p:txBody>
+          <a:bodyPr wrap="square">
+            <a:spAutoFit/>
+          </a:bodyPr>
+          <a:lstStyle/>
+          <a:p>
+            <a:r>
+              <a:rPr lang="en-US" u="sng" dirty="0"/>
+              <a:t>Team Report Out Guidelines</a:t>
+            </a:r>
+          </a:p>
+          <a:p>
+            <a:r>
+              <a:rPr lang="en-US" dirty="0"/>
+              <a:t>Scrum Master will </a:t>
+            </a:r>
+            <a:r>
+              <a:rPr lang="en-US" u="sng" dirty="0"/>
+              <a:t>stand up, give your name, your team name</a:t>
+            </a:r>
+            <a:r>
+              <a:rPr lang="en-US" dirty="0"/>
+              <a:t>, and briefly answer the following questions:</a:t>
+            </a:r>
+          </a:p>
+          <a:p>
+            <a:pPr marL="514350" indent="-514350">
+              <a:buFont typeface="+mj-lt"/>
+              <a:buAutoNum type="alphaLcParenR"/>
+            </a:pPr>
+            <a:r>
+              <a:rPr lang="en-US" dirty="0"/>
+              <a:t>What did you accomplish since the last meeting? And what will you be working on until the next meeting?</a:t>
+            </a:r>
+          </a:p>
+          <a:p>
+            <a:pPr marL="514350" indent="-514350">
+              <a:buFont typeface="+mj-lt"/>
+              <a:buAutoNum type="alphaLcParenR"/>
+            </a:pPr>
+            <a:r>
+              <a:rPr lang="en-US" dirty="0"/>
+              <a:t>Is the team committed to completing assignments? All/Most/Some</a:t>
+            </a:r>
+          </a:p>
+          <a:p>
+            <a:pPr marL="514350" indent="-514350">
+              <a:buFont typeface="+mj-lt"/>
+              <a:buAutoNum type="alphaLcParenR"/>
+            </a:pPr>
+            <a:r>
+              <a:rPr lang="en-US" dirty="0"/>
+              <a:t>What is getting in your way or keeping you from completing the assignments?</a:t>
             </a:r>
           </a:p>
         </p:txBody>
@@ -8482,7 +8413,7 @@
     </p:spTree>
     <p:extLst>
       <p:ext uri="{BB962C8B-B14F-4D97-AF65-F5344CB8AC3E}">
-        <p14:creationId xmlns:p14="http://schemas.microsoft.com/office/powerpoint/2010/main" val="2831104168"/>
+        <p14:creationId xmlns:p14="http://schemas.microsoft.com/office/powerpoint/2010/main" val="1188632697"/>
       </p:ext>
     </p:extLst>
   </p:cSld>
@@ -8511,7 +8442,13 @@
       </p:grpSpPr>
       <p:sp>
         <p:nvSpPr>
-          <p:cNvPr id="2" name="Title 1"/>
+          <p:cNvPr id="4" name="Title 1">
+            <a:extLst>
+              <a:ext uri="{FF2B5EF4-FFF2-40B4-BE49-F238E27FC236}">
+                <a16:creationId xmlns:a16="http://schemas.microsoft.com/office/drawing/2014/main" id="{527CE47F-3EF6-48CA-9239-E8B6E5C6B41A}"/>
+              </a:ext>
+            </a:extLst>
+          </p:cNvPr>
           <p:cNvSpPr>
             <a:spLocks noGrp="1"/>
           </p:cNvSpPr>
@@ -8521,8 +8458,8 @@
         </p:nvSpPr>
         <p:spPr>
           <a:xfrm>
-            <a:off x="838200" y="365126"/>
-            <a:ext cx="10515600" cy="757272"/>
+            <a:off x="838200" y="365125"/>
+            <a:ext cx="10515600" cy="1325563"/>
           </a:xfrm>
         </p:spPr>
         <p:txBody>
@@ -8533,15 +8470,20 @@
           <a:p>
             <a:r>
               <a:rPr lang="en-US" sz="3600" dirty="0"/>
-              <a:t>Lab</a:t>
-            </a:r>
-            <a:endParaRPr lang="en-US" sz="3600" b="1" i="1" u="sng" dirty="0"/>
-          </a:p>
-        </p:txBody>
-      </p:sp>
-      <p:sp>
-        <p:nvSpPr>
-          <p:cNvPr id="3" name="Content Placeholder 2"/>
+              <a:t>Start, Stop, Continue Retrospective Feedback Model</a:t>
+            </a:r>
+          </a:p>
+        </p:txBody>
+      </p:sp>
+      <p:sp>
+        <p:nvSpPr>
+          <p:cNvPr id="5" name="Content Placeholder 2">
+            <a:extLst>
+              <a:ext uri="{FF2B5EF4-FFF2-40B4-BE49-F238E27FC236}">
+                <a16:creationId xmlns:a16="http://schemas.microsoft.com/office/drawing/2014/main" id="{E8F0EA9A-219C-40FD-AE36-784EE1B77D56}"/>
+              </a:ext>
+            </a:extLst>
+          </p:cNvPr>
           <p:cNvSpPr>
             <a:spLocks noGrp="1"/>
           </p:cNvSpPr>
@@ -8551,8 +8493,8 @@
         </p:nvSpPr>
         <p:spPr>
           <a:xfrm>
-            <a:off x="838200" y="1122399"/>
-            <a:ext cx="10718950" cy="3104544"/>
+            <a:off x="838198" y="1690688"/>
+            <a:ext cx="10515601" cy="4486275"/>
           </a:xfrm>
         </p:spPr>
         <p:txBody>
@@ -8562,147 +8504,50 @@
           <a:lstStyle/>
           <a:p>
             <a:pPr marL="0" indent="0">
+              <a:spcAft>
+                <a:spcPts val="600"/>
+              </a:spcAft>
               <a:buNone/>
             </a:pPr>
             <a:r>
+              <a:rPr lang="en-US" sz="2000" b="1" u="sng" dirty="0"/>
+              <a:t>Continue</a:t>
+            </a:r>
+            <a:r>
               <a:rPr lang="en-US" sz="2000" dirty="0"/>
-              <a:t>As A Scrum Team:</a:t>
-            </a:r>
-          </a:p>
-          <a:p>
-            <a:pPr marL="457200" indent="-457200">
-              <a:buFont typeface="+mj-lt"/>
-              <a:buAutoNum type="arabicPeriod"/>
-            </a:pPr>
-            <a:r>
-              <a:rPr lang="en-US" sz="2000" dirty="0"/>
-              <a:t>Complete Sprint 4 Retrospective utilizing Start, Stop, Continue methodology (~10 min)</a:t>
-            </a:r>
-          </a:p>
-          <a:p>
-            <a:pPr marL="457200" indent="-457200">
-              <a:buFont typeface="+mj-lt"/>
-              <a:buAutoNum type="arabicPeriod"/>
-            </a:pPr>
-            <a:r>
-              <a:rPr lang="en-US" sz="2000" dirty="0"/>
-              <a:t>Complete Discussion Boards 5 &amp; 6</a:t>
-            </a:r>
-          </a:p>
-          <a:p>
-            <a:pPr marL="457200" indent="-457200">
-              <a:buFont typeface="+mj-lt"/>
-              <a:buAutoNum type="arabicPeriod"/>
-            </a:pPr>
-            <a:r>
-              <a:rPr lang="en-US" sz="2000" dirty="0"/>
-              <a:t>Review and discuss SwissArmyKnifeLite</a:t>
-            </a:r>
-          </a:p>
-          <a:p>
-            <a:pPr marL="457200" indent="-457200">
-              <a:buFont typeface="+mj-lt"/>
-              <a:buAutoNum type="arabicPeriod"/>
-            </a:pPr>
-            <a:r>
-              <a:rPr lang="en-US" sz="2000" dirty="0"/>
-              <a:t>Team report out by Scrum Master at 2:48</a:t>
+              <a:t>: What is working? Something that we should make sure that we continue to do. </a:t>
             </a:r>
           </a:p>
           <a:p>
             <a:pPr marL="0" indent="0">
+              <a:spcAft>
+                <a:spcPts val="600"/>
+              </a:spcAft>
               <a:buNone/>
             </a:pPr>
-            <a:endParaRPr lang="en-US" sz="2000" dirty="0"/>
+            <a:r>
+              <a:rPr lang="en-US" sz="2000" b="1" u="sng" dirty="0"/>
+              <a:t>Start</a:t>
+            </a:r>
+            <a:r>
+              <a:rPr lang="en-US" sz="2000" dirty="0"/>
+              <a:t>: What is something that would be nice to do that we are not doing now? Maybe something that you have seen work well in other classes or with other teams. </a:t>
+            </a:r>
           </a:p>
           <a:p>
             <a:pPr marL="0" indent="0">
+              <a:spcAft>
+                <a:spcPts val="600"/>
+              </a:spcAft>
               <a:buNone/>
             </a:pPr>
-            <a:endParaRPr lang="en-US" sz="2000" dirty="0"/>
-          </a:p>
-          <a:p>
-            <a:pPr marL="0" indent="0">
-              <a:buNone/>
-            </a:pPr>
-            <a:endParaRPr lang="en-US" sz="2000" dirty="0"/>
-          </a:p>
-        </p:txBody>
-      </p:sp>
-      <p:sp>
-        <p:nvSpPr>
-          <p:cNvPr id="4" name="Rectangle 3">
-            <a:extLst>
-              <a:ext uri="{FF2B5EF4-FFF2-40B4-BE49-F238E27FC236}">
-                <a16:creationId xmlns:a16="http://schemas.microsoft.com/office/drawing/2014/main" id="{26BADDFD-9BE3-0244-AE69-52D2BB47696A}"/>
-              </a:ext>
-            </a:extLst>
-          </p:cNvPr>
-          <p:cNvSpPr/>
-          <p:nvPr/>
-        </p:nvSpPr>
-        <p:spPr>
-          <a:xfrm>
-            <a:off x="838200" y="4649423"/>
-            <a:ext cx="10515600" cy="1754326"/>
-          </a:xfrm>
-          <a:prstGeom prst="rect">
-            <a:avLst/>
-          </a:prstGeom>
-        </p:spPr>
-        <p:txBody>
-          <a:bodyPr wrap="square">
-            <a:spAutoFit/>
-          </a:bodyPr>
-          <a:lstStyle/>
-          <a:p>
-            <a:r>
-              <a:rPr lang="en-US" u="sng" dirty="0"/>
-              <a:t>Team Report Out Guidelines</a:t>
-            </a:r>
-          </a:p>
-          <a:p>
-            <a:r>
-              <a:rPr lang="en-US" dirty="0"/>
-              <a:t>Scrum Master will </a:t>
-            </a:r>
-            <a:r>
-              <a:rPr lang="en-US" u="sng" dirty="0"/>
-              <a:t>stand up, give your name, your team name</a:t>
-            </a:r>
-            <a:r>
-              <a:rPr lang="en-US" dirty="0"/>
-              <a:t>, and briefly answer the following questions:</a:t>
-            </a:r>
-          </a:p>
-          <a:p>
-            <a:pPr marL="514350" indent="-514350">
-              <a:buFont typeface="+mj-lt"/>
-              <a:buAutoNum type="alphaLcParenR"/>
-            </a:pPr>
-            <a:r>
-              <a:rPr lang="en-US" dirty="0"/>
-              <a:t>What did you accomplish since the last meeting? And what will you be working on until the next meeting?</a:t>
-            </a:r>
-          </a:p>
-          <a:p>
-            <a:pPr marL="514350" indent="-514350">
-              <a:buFont typeface="+mj-lt"/>
-              <a:buAutoNum type="alphaLcParenR"/>
-            </a:pPr>
-            <a:r>
-              <a:rPr lang="en-US" dirty="0"/>
-              <a:t>Is the team committed to completing assignments? All/Most/Some</a:t>
-            </a:r>
-          </a:p>
-          <a:p>
-            <a:pPr marL="514350" indent="-514350">
-              <a:buFont typeface="+mj-lt"/>
-              <a:buAutoNum type="alphaLcParenR"/>
-            </a:pPr>
-            <a:r>
-              <a:rPr lang="en-US" dirty="0"/>
-              <a:t>What is getting in your way or keeping you from completing the assignments?</a:t>
+            <a:r>
+              <a:rPr lang="en-US" sz="2000" b="1" u="sng" dirty="0"/>
+              <a:t>Stop</a:t>
+            </a:r>
+            <a:r>
+              <a:rPr lang="en-US" sz="2000" dirty="0"/>
+              <a:t>: What is not working? Something that we should stop doing. </a:t>
             </a:r>
           </a:p>
         </p:txBody>
@@ -8710,7 +8555,7 @@
     </p:spTree>
     <p:extLst>
       <p:ext uri="{BB962C8B-B14F-4D97-AF65-F5344CB8AC3E}">
-        <p14:creationId xmlns:p14="http://schemas.microsoft.com/office/powerpoint/2010/main" val="1188632697"/>
+        <p14:creationId xmlns:p14="http://schemas.microsoft.com/office/powerpoint/2010/main" val="2614693394"/>
       </p:ext>
     </p:extLst>
   </p:cSld>
@@ -8739,112 +8584,29 @@
       </p:grpSpPr>
       <p:sp>
         <p:nvSpPr>
-          <p:cNvPr id="4" name="Title 1">
-            <a:extLst>
-              <a:ext uri="{FF2B5EF4-FFF2-40B4-BE49-F238E27FC236}">
-                <a16:creationId xmlns:a16="http://schemas.microsoft.com/office/drawing/2014/main" id="{527CE47F-3EF6-48CA-9239-E8B6E5C6B41A}"/>
-              </a:ext>
-            </a:extLst>
-          </p:cNvPr>
-          <p:cNvSpPr>
-            <a:spLocks noGrp="1"/>
-          </p:cNvSpPr>
-          <p:nvPr>
-            <p:ph type="title"/>
+          <p:cNvPr id="2" name="Title 1"/>
+          <p:cNvSpPr>
+            <a:spLocks noGrp="1"/>
+          </p:cNvSpPr>
+          <p:nvPr>
+            <p:ph type="ctrTitle"/>
           </p:nvPr>
         </p:nvSpPr>
         <p:spPr>
           <a:xfrm>
-            <a:off x="838200" y="365125"/>
-            <a:ext cx="10515600" cy="1325563"/>
+            <a:off x="1524000" y="3072434"/>
+            <a:ext cx="9144000" cy="713132"/>
           </a:xfrm>
         </p:spPr>
         <p:txBody>
-          <a:bodyPr>
-            <a:normAutofit/>
+          <a:bodyPr anchor="ctr">
+            <a:noAutofit/>
           </a:bodyPr>
           <a:lstStyle/>
           <a:p>
             <a:r>
-              <a:rPr lang="en-US" sz="3600" dirty="0"/>
-              <a:t>Start, Stop, Continue Retrospective Feedback Model</a:t>
-            </a:r>
-          </a:p>
-        </p:txBody>
-      </p:sp>
-      <p:sp>
-        <p:nvSpPr>
-          <p:cNvPr id="5" name="Content Placeholder 2">
-            <a:extLst>
-              <a:ext uri="{FF2B5EF4-FFF2-40B4-BE49-F238E27FC236}">
-                <a16:creationId xmlns:a16="http://schemas.microsoft.com/office/drawing/2014/main" id="{E8F0EA9A-219C-40FD-AE36-784EE1B77D56}"/>
-              </a:ext>
-            </a:extLst>
-          </p:cNvPr>
-          <p:cNvSpPr>
-            <a:spLocks noGrp="1"/>
-          </p:cNvSpPr>
-          <p:nvPr>
-            <p:ph idx="1"/>
-          </p:nvPr>
-        </p:nvSpPr>
-        <p:spPr>
-          <a:xfrm>
-            <a:off x="838198" y="1690688"/>
-            <a:ext cx="10515601" cy="4486275"/>
-          </a:xfrm>
-        </p:spPr>
-        <p:txBody>
-          <a:bodyPr>
-            <a:normAutofit/>
-          </a:bodyPr>
-          <a:lstStyle/>
-          <a:p>
-            <a:pPr marL="0" indent="0">
-              <a:spcAft>
-                <a:spcPts val="600"/>
-              </a:spcAft>
-              <a:buNone/>
-            </a:pPr>
-            <a:r>
-              <a:rPr lang="en-US" sz="2000" b="1" u="sng" dirty="0"/>
-              <a:t>Continue</a:t>
-            </a:r>
-            <a:r>
-              <a:rPr lang="en-US" sz="2000" dirty="0"/>
-              <a:t>: What is working? Something that we should make sure that we continue to do. </a:t>
-            </a:r>
-          </a:p>
-          <a:p>
-            <a:pPr marL="0" indent="0">
-              <a:spcAft>
-                <a:spcPts val="600"/>
-              </a:spcAft>
-              <a:buNone/>
-            </a:pPr>
-            <a:r>
-              <a:rPr lang="en-US" sz="2000" b="1" u="sng" dirty="0"/>
-              <a:t>Start</a:t>
-            </a:r>
-            <a:r>
-              <a:rPr lang="en-US" sz="2000" dirty="0"/>
-              <a:t>: What is something that would be nice to do that we are not doing now? Maybe something that you have seen work well in other classes or with other teams. </a:t>
-            </a:r>
-          </a:p>
-          <a:p>
-            <a:pPr marL="0" indent="0">
-              <a:spcAft>
-                <a:spcPts val="600"/>
-              </a:spcAft>
-              <a:buNone/>
-            </a:pPr>
-            <a:r>
-              <a:rPr lang="en-US" sz="2000" b="1" u="sng" dirty="0"/>
-              <a:t>Stop</a:t>
-            </a:r>
-            <a:r>
-              <a:rPr lang="en-US" sz="2000" dirty="0"/>
-              <a:t>: What is not working? Something that we should stop doing. </a:t>
+              <a:rPr lang="en-US" sz="4000" dirty="0"/>
+              <a:t>My First Web Service</a:t>
             </a:r>
           </a:p>
         </p:txBody>
@@ -8852,7 +8614,7 @@
     </p:spTree>
     <p:extLst>
       <p:ext uri="{BB962C8B-B14F-4D97-AF65-F5344CB8AC3E}">
-        <p14:creationId xmlns:p14="http://schemas.microsoft.com/office/powerpoint/2010/main" val="2614693394"/>
+        <p14:creationId xmlns:p14="http://schemas.microsoft.com/office/powerpoint/2010/main" val="3462178535"/>
       </p:ext>
     </p:extLst>
   </p:cSld>
@@ -8903,7 +8665,7 @@
           <a:p>
             <a:r>
               <a:rPr lang="en-US" sz="4000" dirty="0"/>
-              <a:t>My First Web Service</a:t>
+              <a:t>Review Web Services, REST, and CORs</a:t>
             </a:r>
           </a:p>
         </p:txBody>
@@ -8911,7 +8673,7 @@
     </p:spTree>
     <p:extLst>
       <p:ext uri="{BB962C8B-B14F-4D97-AF65-F5344CB8AC3E}">
-        <p14:creationId xmlns:p14="http://schemas.microsoft.com/office/powerpoint/2010/main" val="3462178535"/>
+        <p14:creationId xmlns:p14="http://schemas.microsoft.com/office/powerpoint/2010/main" val="2239139863"/>
       </p:ext>
     </p:extLst>
   </p:cSld>
@@ -8940,37 +8702,177 @@
       </p:grpSpPr>
       <p:sp>
         <p:nvSpPr>
-          <p:cNvPr id="2" name="Title 1"/>
-          <p:cNvSpPr>
-            <a:spLocks noGrp="1"/>
-          </p:cNvSpPr>
-          <p:nvPr>
-            <p:ph type="ctrTitle"/>
+          <p:cNvPr id="4" name="Title 1">
+            <a:extLst>
+              <a:ext uri="{FF2B5EF4-FFF2-40B4-BE49-F238E27FC236}">
+                <a16:creationId xmlns:a16="http://schemas.microsoft.com/office/drawing/2014/main" id="{527CE47F-3EF6-48CA-9239-E8B6E5C6B41A}"/>
+              </a:ext>
+            </a:extLst>
+          </p:cNvPr>
+          <p:cNvSpPr>
+            <a:spLocks noGrp="1"/>
+          </p:cNvSpPr>
+          <p:nvPr>
+            <p:ph type="title"/>
           </p:nvPr>
         </p:nvSpPr>
         <p:spPr>
           <a:xfrm>
-            <a:off x="1524000" y="3072434"/>
-            <a:ext cx="9144000" cy="713132"/>
+            <a:off x="838200" y="365125"/>
+            <a:ext cx="10515600" cy="1325563"/>
           </a:xfrm>
         </p:spPr>
         <p:txBody>
-          <a:bodyPr anchor="ctr">
-            <a:noAutofit/>
+          <a:bodyPr>
+            <a:normAutofit/>
           </a:bodyPr>
           <a:lstStyle/>
           <a:p>
             <a:r>
-              <a:rPr lang="en-US" sz="4000" dirty="0"/>
-              <a:t>Review Web Services, REST, and CORs</a:t>
-            </a:r>
-          </a:p>
-        </p:txBody>
-      </p:sp>
+              <a:rPr lang="en-US" sz="3600" dirty="0">
+                <a:latin typeface="+mn-lt"/>
+              </a:rPr>
+              <a:t>Web Services</a:t>
+            </a:r>
+          </a:p>
+        </p:txBody>
+      </p:sp>
+      <p:sp>
+        <p:nvSpPr>
+          <p:cNvPr id="3" name="Rectangle 2">
+            <a:extLst>
+              <a:ext uri="{FF2B5EF4-FFF2-40B4-BE49-F238E27FC236}">
+                <a16:creationId xmlns:a16="http://schemas.microsoft.com/office/drawing/2014/main" id="{6D4E1A95-16DC-4582-B3DE-CCF6667D032F}"/>
+              </a:ext>
+            </a:extLst>
+          </p:cNvPr>
+          <p:cNvSpPr/>
+          <p:nvPr/>
+        </p:nvSpPr>
+        <p:spPr>
+          <a:xfrm>
+            <a:off x="752475" y="1614309"/>
+            <a:ext cx="10515600" cy="2585323"/>
+          </a:xfrm>
+          <a:prstGeom prst="rect">
+            <a:avLst/>
+          </a:prstGeom>
+        </p:spPr>
+        <p:txBody>
+          <a:bodyPr wrap="square">
+            <a:spAutoFit/>
+          </a:bodyPr>
+          <a:lstStyle/>
+          <a:p>
+            <a:r>
+              <a:rPr lang="en-US" dirty="0"/>
+              <a:t>In a web service, the Web technology such as </a:t>
+            </a:r>
+            <a:r>
+              <a:rPr lang="en-US" dirty="0">
+                <a:hlinkClick r:id="rId3" tooltip="HTTP"/>
+              </a:rPr>
+              <a:t>HTTP</a:t>
+            </a:r>
+            <a:r>
+              <a:rPr lang="en-US" dirty="0"/>
+              <a:t>—originally designed for human-to-machine communication—is utilized for machine-to-machine communication, more specifically for transferring machine-readable file formats such as </a:t>
+            </a:r>
+            <a:r>
+              <a:rPr lang="en-US" dirty="0">
+                <a:hlinkClick r:id="rId4" tooltip="XML"/>
+              </a:rPr>
+              <a:t>XML</a:t>
+            </a:r>
+            <a:r>
+              <a:rPr lang="en-US" dirty="0"/>
+              <a:t> and </a:t>
+            </a:r>
+            <a:r>
+              <a:rPr lang="en-US" dirty="0">
+                <a:hlinkClick r:id="rId5" tooltip="JSON"/>
+              </a:rPr>
+              <a:t>JSON</a:t>
+            </a:r>
+            <a:r>
+              <a:rPr lang="en-US" dirty="0"/>
+              <a:t>.</a:t>
+            </a:r>
+          </a:p>
+          <a:p>
+            <a:endParaRPr lang="en-US" dirty="0"/>
+          </a:p>
+          <a:p>
+            <a:r>
+              <a:rPr lang="en-US" dirty="0"/>
+              <a:t>In practice, a web service commonly provides an </a:t>
+            </a:r>
+            <a:r>
+              <a:rPr lang="en-US" dirty="0">
+                <a:hlinkClick r:id="rId6" tooltip="Object database"/>
+              </a:rPr>
+              <a:t>object-oriented</a:t>
+            </a:r>
+            <a:r>
+              <a:rPr lang="en-US" dirty="0"/>
+              <a:t> web-based interface to a database server, utilized for example by another web server, or by a </a:t>
+            </a:r>
+            <a:r>
+              <a:rPr lang="en-US" dirty="0">
+                <a:hlinkClick r:id="rId7" tooltip="Mobile app development"/>
+              </a:rPr>
+              <a:t>mobile app</a:t>
+            </a:r>
+            <a:r>
+              <a:rPr lang="en-US" dirty="0"/>
+              <a:t>, that provides a user interface to the end user. </a:t>
+            </a:r>
+          </a:p>
+          <a:p>
+            <a:endParaRPr lang="en-US" dirty="0"/>
+          </a:p>
+          <a:p>
+            <a:r>
+              <a:rPr lang="en-US" dirty="0"/>
+              <a:t>Many organizations that provide data in formatted HTML pages will also provide that data on their server as XML or JSON, often through a web service to allow syndication</a:t>
+            </a:r>
+          </a:p>
+        </p:txBody>
+      </p:sp>
+      <p:pic>
+        <p:nvPicPr>
+          <p:cNvPr id="6" name="Picture 5">
+            <a:extLst>
+              <a:ext uri="{FF2B5EF4-FFF2-40B4-BE49-F238E27FC236}">
+                <a16:creationId xmlns:a16="http://schemas.microsoft.com/office/drawing/2014/main" id="{2CE7C933-0F89-420D-9B13-0331165A1E50}"/>
+              </a:ext>
+            </a:extLst>
+          </p:cNvPr>
+          <p:cNvPicPr>
+            <a:picLocks noChangeAspect="1"/>
+          </p:cNvPicPr>
+          <p:nvPr/>
+        </p:nvPicPr>
+        <p:blipFill>
+          <a:blip r:embed="rId8"/>
+          <a:stretch>
+            <a:fillRect/>
+          </a:stretch>
+        </p:blipFill>
+        <p:spPr>
+          <a:xfrm>
+            <a:off x="10765403" y="59830"/>
+            <a:ext cx="1290389" cy="1420356"/>
+          </a:xfrm>
+          <a:prstGeom prst="rect">
+            <a:avLst/>
+          </a:prstGeom>
+        </p:spPr>
+      </p:pic>
     </p:spTree>
     <p:extLst>
       <p:ext uri="{BB962C8B-B14F-4D97-AF65-F5344CB8AC3E}">
-        <p14:creationId xmlns:p14="http://schemas.microsoft.com/office/powerpoint/2010/main" val="2239139863"/>
+        <p14:creationId xmlns:p14="http://schemas.microsoft.com/office/powerpoint/2010/main" val="1887818089"/>
       </p:ext>
     </p:extLst>
   </p:cSld>

--- a/lecture-slides/2019-10-28-oop.pptx
+++ b/lecture-slides/2019-10-28-oop.pptx
@@ -244,7 +244,7 @@
           <a:p>
             <a:fld id="{A677DEB0-5AA4-49C7-B0AD-AD047A002C4C}" type="datetimeFigureOut">
               <a:rPr lang="en-US" smtClean="0"/>
-              <a:t>10/28/2019</a:t>
+              <a:t>10/30/19</a:t>
             </a:fld>
             <a:endParaRPr lang="en-US"/>
           </a:p>
@@ -2067,7 +2067,7 @@
           <a:p>
             <a:fld id="{1B52E0E1-344B-4E26-B5AD-CE86AB802485}" type="datetimeFigureOut">
               <a:rPr lang="en-US" smtClean="0"/>
-              <a:t>10/28/2019</a:t>
+              <a:t>10/30/19</a:t>
             </a:fld>
             <a:endParaRPr lang="en-US"/>
           </a:p>
@@ -2265,7 +2265,7 @@
           <a:p>
             <a:fld id="{1B52E0E1-344B-4E26-B5AD-CE86AB802485}" type="datetimeFigureOut">
               <a:rPr lang="en-US" smtClean="0"/>
-              <a:t>10/28/2019</a:t>
+              <a:t>10/30/19</a:t>
             </a:fld>
             <a:endParaRPr lang="en-US"/>
           </a:p>
@@ -2473,7 +2473,7 @@
           <a:p>
             <a:fld id="{1B52E0E1-344B-4E26-B5AD-CE86AB802485}" type="datetimeFigureOut">
               <a:rPr lang="en-US" smtClean="0"/>
-              <a:t>10/28/2019</a:t>
+              <a:t>10/30/19</a:t>
             </a:fld>
             <a:endParaRPr lang="en-US"/>
           </a:p>
@@ -2671,7 +2671,7 @@
           <a:p>
             <a:fld id="{1B52E0E1-344B-4E26-B5AD-CE86AB802485}" type="datetimeFigureOut">
               <a:rPr lang="en-US" smtClean="0"/>
-              <a:t>10/28/2019</a:t>
+              <a:t>10/30/19</a:t>
             </a:fld>
             <a:endParaRPr lang="en-US"/>
           </a:p>
@@ -2946,7 +2946,7 @@
           <a:p>
             <a:fld id="{1B52E0E1-344B-4E26-B5AD-CE86AB802485}" type="datetimeFigureOut">
               <a:rPr lang="en-US" smtClean="0"/>
-              <a:t>10/28/2019</a:t>
+              <a:t>10/30/19</a:t>
             </a:fld>
             <a:endParaRPr lang="en-US"/>
           </a:p>
@@ -3211,7 +3211,7 @@
           <a:p>
             <a:fld id="{1B52E0E1-344B-4E26-B5AD-CE86AB802485}" type="datetimeFigureOut">
               <a:rPr lang="en-US" smtClean="0"/>
-              <a:t>10/28/2019</a:t>
+              <a:t>10/30/19</a:t>
             </a:fld>
             <a:endParaRPr lang="en-US"/>
           </a:p>
@@ -3623,7 +3623,7 @@
           <a:p>
             <a:fld id="{1B52E0E1-344B-4E26-B5AD-CE86AB802485}" type="datetimeFigureOut">
               <a:rPr lang="en-US" smtClean="0"/>
-              <a:t>10/28/2019</a:t>
+              <a:t>10/30/19</a:t>
             </a:fld>
             <a:endParaRPr lang="en-US"/>
           </a:p>
@@ -3764,7 +3764,7 @@
           <a:p>
             <a:fld id="{1B52E0E1-344B-4E26-B5AD-CE86AB802485}" type="datetimeFigureOut">
               <a:rPr lang="en-US" smtClean="0"/>
-              <a:t>10/28/2019</a:t>
+              <a:t>10/30/19</a:t>
             </a:fld>
             <a:endParaRPr lang="en-US"/>
           </a:p>
@@ -3877,7 +3877,7 @@
           <a:p>
             <a:fld id="{1B52E0E1-344B-4E26-B5AD-CE86AB802485}" type="datetimeFigureOut">
               <a:rPr lang="en-US" smtClean="0"/>
-              <a:t>10/28/2019</a:t>
+              <a:t>10/30/19</a:t>
             </a:fld>
             <a:endParaRPr lang="en-US"/>
           </a:p>
@@ -4188,7 +4188,7 @@
           <a:p>
             <a:fld id="{1B52E0E1-344B-4E26-B5AD-CE86AB802485}" type="datetimeFigureOut">
               <a:rPr lang="en-US" smtClean="0"/>
-              <a:t>10/28/2019</a:t>
+              <a:t>10/30/19</a:t>
             </a:fld>
             <a:endParaRPr lang="en-US"/>
           </a:p>
@@ -4476,7 +4476,7 @@
           <a:p>
             <a:fld id="{1B52E0E1-344B-4E26-B5AD-CE86AB802485}" type="datetimeFigureOut">
               <a:rPr lang="en-US" smtClean="0"/>
-              <a:t>10/28/2019</a:t>
+              <a:t>10/30/19</a:t>
             </a:fld>
             <a:endParaRPr lang="en-US"/>
           </a:p>
@@ -4717,7 +4717,7 @@
           <a:p>
             <a:fld id="{1B52E0E1-344B-4E26-B5AD-CE86AB802485}" type="datetimeFigureOut">
               <a:rPr lang="en-US" smtClean="0"/>
-              <a:t>10/28/2019</a:t>
+              <a:t>10/30/19</a:t>
             </a:fld>
             <a:endParaRPr lang="en-US"/>
           </a:p>
@@ -5215,8 +5215,12 @@
               <a:buNone/>
             </a:pPr>
             <a:r>
+              <a:rPr lang="en-US" sz="2000"/>
+              <a:t>Monday, </a:t>
+            </a:r>
+            <a:r>
               <a:rPr lang="en-US" sz="2000" dirty="0"/>
-              <a:t>Friday, October 28</a:t>
+              <a:t>October 28</a:t>
             </a:r>
             <a:r>
               <a:rPr lang="en-US" sz="2000" baseline="30000" dirty="0"/>
@@ -6459,7 +6463,7 @@
           <a:graphicData uri="http://schemas.openxmlformats.org/presentationml/2006/ole">
             <mc:AlternateContent xmlns:mc="http://schemas.openxmlformats.org/markup-compatibility/2006">
               <mc:Choice xmlns:v="urn:schemas-microsoft-com:vml" Requires="v">
-                <p:oleObj spid="_x0000_s3078" name="Worksheet" r:id="rId3" imgW="7289800" imgH="7023100" progId="Excel.Sheet.12">
+                <p:oleObj spid="_x0000_s3079" name="Worksheet" r:id="rId3" imgW="7289800" imgH="7023100" progId="Excel.Sheet.12">
                   <p:embed/>
                 </p:oleObj>
               </mc:Choice>
